--- a/Instructor Tips.pptx
+++ b/Instructor Tips.pptx
@@ -12,24 +12,24 @@
     <p:sldId id="257" r:id="rId3"/>
     <p:sldId id="258" r:id="rId4"/>
     <p:sldId id="259" r:id="rId5"/>
-    <p:sldId id="260" r:id="rId6"/>
-    <p:sldId id="261" r:id="rId7"/>
-    <p:sldId id="262" r:id="rId8"/>
-    <p:sldId id="263" r:id="rId9"/>
-    <p:sldId id="264" r:id="rId10"/>
-    <p:sldId id="265" r:id="rId11"/>
-    <p:sldId id="266" r:id="rId12"/>
-    <p:sldId id="267" r:id="rId13"/>
-    <p:sldId id="268" r:id="rId14"/>
-    <p:sldId id="269" r:id="rId15"/>
-    <p:sldId id="270" r:id="rId16"/>
-    <p:sldId id="271" r:id="rId17"/>
-    <p:sldId id="272" r:id="rId18"/>
-    <p:sldId id="273" r:id="rId19"/>
-    <p:sldId id="274" r:id="rId20"/>
-    <p:sldId id="275" r:id="rId21"/>
-    <p:sldId id="276" r:id="rId22"/>
-    <p:sldId id="277" r:id="rId23"/>
+    <p:sldId id="276" r:id="rId6"/>
+    <p:sldId id="260" r:id="rId7"/>
+    <p:sldId id="261" r:id="rId8"/>
+    <p:sldId id="262" r:id="rId9"/>
+    <p:sldId id="263" r:id="rId10"/>
+    <p:sldId id="264" r:id="rId11"/>
+    <p:sldId id="265" r:id="rId12"/>
+    <p:sldId id="266" r:id="rId13"/>
+    <p:sldId id="267" r:id="rId14"/>
+    <p:sldId id="268" r:id="rId15"/>
+    <p:sldId id="277" r:id="rId16"/>
+    <p:sldId id="269" r:id="rId17"/>
+    <p:sldId id="270" r:id="rId18"/>
+    <p:sldId id="271" r:id="rId19"/>
+    <p:sldId id="272" r:id="rId20"/>
+    <p:sldId id="273" r:id="rId21"/>
+    <p:sldId id="274" r:id="rId22"/>
+    <p:sldId id="275" r:id="rId23"/>
     <p:sldId id="278" r:id="rId24"/>
     <p:sldId id="279" r:id="rId25"/>
     <p:sldId id="280" r:id="rId26"/>
@@ -571,7 +571,7 @@
   <p:cSld>
     <p:spTree>
       <p:nvGrpSpPr>
-        <p:cNvPr id="1" name="Shape 78"/>
+        <p:cNvPr id="1" name="Shape 72"/>
         <p:cNvGrpSpPr/>
         <p:nvPr/>
       </p:nvGrpSpPr>
@@ -585,7 +585,7 @@
       </p:grpSpPr>
       <p:sp>
         <p:nvSpPr>
-          <p:cNvPr id="79" name="Shape 79"/>
+          <p:cNvPr id="73" name="Shape 73"/>
           <p:cNvSpPr>
             <a:spLocks noGrp="1" noRot="1" noChangeAspect="1"/>
           </p:cNvSpPr>
@@ -626,7 +626,7 @@
       </p:sp>
       <p:sp>
         <p:nvSpPr>
-          <p:cNvPr id="80" name="Shape 80"/>
+          <p:cNvPr id="74" name="Shape 74"/>
           <p:cNvSpPr txBox="1">
             <a:spLocks noGrp="1"/>
           </p:cNvSpPr>
@@ -666,7 +666,7 @@
   <p:cSld>
     <p:spTree>
       <p:nvGrpSpPr>
-        <p:cNvPr id="1" name="Shape 84"/>
+        <p:cNvPr id="1" name="Shape 78"/>
         <p:cNvGrpSpPr/>
         <p:nvPr/>
       </p:nvGrpSpPr>
@@ -680,7 +680,7 @@
       </p:grpSpPr>
       <p:sp>
         <p:nvSpPr>
-          <p:cNvPr id="85" name="Shape 85"/>
+          <p:cNvPr id="79" name="Shape 79"/>
           <p:cNvSpPr>
             <a:spLocks noGrp="1" noRot="1" noChangeAspect="1"/>
           </p:cNvSpPr>
@@ -721,7 +721,7 @@
       </p:sp>
       <p:sp>
         <p:nvSpPr>
-          <p:cNvPr id="86" name="Shape 86"/>
+          <p:cNvPr id="80" name="Shape 80"/>
           <p:cNvSpPr txBox="1">
             <a:spLocks noGrp="1"/>
           </p:cNvSpPr>
@@ -761,7 +761,7 @@
   <p:cSld>
     <p:spTree>
       <p:nvGrpSpPr>
-        <p:cNvPr id="1" name="Shape 90"/>
+        <p:cNvPr id="1" name="Shape 84"/>
         <p:cNvGrpSpPr/>
         <p:nvPr/>
       </p:nvGrpSpPr>
@@ -775,7 +775,7 @@
       </p:grpSpPr>
       <p:sp>
         <p:nvSpPr>
-          <p:cNvPr id="91" name="Shape 91"/>
+          <p:cNvPr id="85" name="Shape 85"/>
           <p:cNvSpPr>
             <a:spLocks noGrp="1" noRot="1" noChangeAspect="1"/>
           </p:cNvSpPr>
@@ -816,7 +816,7 @@
       </p:sp>
       <p:sp>
         <p:nvSpPr>
-          <p:cNvPr id="92" name="Shape 92"/>
+          <p:cNvPr id="86" name="Shape 86"/>
           <p:cNvSpPr txBox="1">
             <a:spLocks noGrp="1"/>
           </p:cNvSpPr>
@@ -856,7 +856,7 @@
   <p:cSld>
     <p:spTree>
       <p:nvGrpSpPr>
-        <p:cNvPr id="1" name="Shape 96"/>
+        <p:cNvPr id="1" name="Shape 90"/>
         <p:cNvGrpSpPr/>
         <p:nvPr/>
       </p:nvGrpSpPr>
@@ -870,7 +870,7 @@
       </p:grpSpPr>
       <p:sp>
         <p:nvSpPr>
-          <p:cNvPr id="97" name="Shape 97"/>
+          <p:cNvPr id="91" name="Shape 91"/>
           <p:cNvSpPr>
             <a:spLocks noGrp="1" noRot="1" noChangeAspect="1"/>
           </p:cNvSpPr>
@@ -911,7 +911,7 @@
       </p:sp>
       <p:sp>
         <p:nvSpPr>
-          <p:cNvPr id="98" name="Shape 98"/>
+          <p:cNvPr id="92" name="Shape 92"/>
           <p:cNvSpPr txBox="1">
             <a:spLocks noGrp="1"/>
           </p:cNvSpPr>
@@ -951,7 +951,7 @@
   <p:cSld>
     <p:spTree>
       <p:nvGrpSpPr>
-        <p:cNvPr id="1" name="Shape 102"/>
+        <p:cNvPr id="1" name="Shape 96"/>
         <p:cNvGrpSpPr/>
         <p:nvPr/>
       </p:nvGrpSpPr>
@@ -965,7 +965,7 @@
       </p:grpSpPr>
       <p:sp>
         <p:nvSpPr>
-          <p:cNvPr id="103" name="Shape 103"/>
+          <p:cNvPr id="97" name="Shape 97"/>
           <p:cNvSpPr>
             <a:spLocks noGrp="1" noRot="1" noChangeAspect="1"/>
           </p:cNvSpPr>
@@ -975,8 +975,8 @@
         </p:nvSpPr>
         <p:spPr>
           <a:xfrm>
-            <a:off x="1143225" y="685800"/>
-            <a:ext cx="4572299" cy="3429000"/>
+            <a:off x="1143000" y="685800"/>
+            <a:ext cx="4572000" cy="3429000"/>
           </a:xfrm>
           <a:custGeom>
             <a:avLst/>
@@ -1006,7 +1006,7 @@
       </p:sp>
       <p:sp>
         <p:nvSpPr>
-          <p:cNvPr id="104" name="Shape 104"/>
+          <p:cNvPr id="98" name="Shape 98"/>
           <p:cNvSpPr txBox="1">
             <a:spLocks noGrp="1"/>
           </p:cNvSpPr>
@@ -1046,7 +1046,7 @@
   <p:cSld>
     <p:spTree>
       <p:nvGrpSpPr>
-        <p:cNvPr id="1" name="Shape 108"/>
+        <p:cNvPr id="1" name="Shape 150"/>
         <p:cNvGrpSpPr/>
         <p:nvPr/>
       </p:nvGrpSpPr>
@@ -1060,7 +1060,7 @@
       </p:grpSpPr>
       <p:sp>
         <p:nvSpPr>
-          <p:cNvPr id="109" name="Shape 109"/>
+          <p:cNvPr id="151" name="Shape 151"/>
           <p:cNvSpPr>
             <a:spLocks noGrp="1" noRot="1" noChangeAspect="1"/>
           </p:cNvSpPr>
@@ -1070,8 +1070,8 @@
         </p:nvSpPr>
         <p:spPr>
           <a:xfrm>
-            <a:off x="1143225" y="685800"/>
-            <a:ext cx="4572299" cy="3429000"/>
+            <a:off x="1143000" y="685800"/>
+            <a:ext cx="4572000" cy="3429000"/>
           </a:xfrm>
           <a:custGeom>
             <a:avLst/>
@@ -1101,7 +1101,7 @@
       </p:sp>
       <p:sp>
         <p:nvSpPr>
-          <p:cNvPr id="110" name="Shape 110"/>
+          <p:cNvPr id="152" name="Shape 152"/>
           <p:cNvSpPr txBox="1">
             <a:spLocks noGrp="1"/>
           </p:cNvSpPr>
@@ -1141,7 +1141,7 @@
   <p:cSld>
     <p:spTree>
       <p:nvGrpSpPr>
-        <p:cNvPr id="1" name="Shape 114"/>
+        <p:cNvPr id="1" name="Shape 102"/>
         <p:cNvGrpSpPr/>
         <p:nvPr/>
       </p:nvGrpSpPr>
@@ -1155,7 +1155,7 @@
       </p:grpSpPr>
       <p:sp>
         <p:nvSpPr>
-          <p:cNvPr id="115" name="Shape 115"/>
+          <p:cNvPr id="103" name="Shape 103"/>
           <p:cNvSpPr>
             <a:spLocks noGrp="1" noRot="1" noChangeAspect="1"/>
           </p:cNvSpPr>
@@ -1196,7 +1196,7 @@
       </p:sp>
       <p:sp>
         <p:nvSpPr>
-          <p:cNvPr id="116" name="Shape 116"/>
+          <p:cNvPr id="104" name="Shape 104"/>
           <p:cNvSpPr txBox="1">
             <a:spLocks noGrp="1"/>
           </p:cNvSpPr>
@@ -1236,7 +1236,7 @@
   <p:cSld>
     <p:spTree>
       <p:nvGrpSpPr>
-        <p:cNvPr id="1" name="Shape 120"/>
+        <p:cNvPr id="1" name="Shape 108"/>
         <p:cNvGrpSpPr/>
         <p:nvPr/>
       </p:nvGrpSpPr>
@@ -1250,7 +1250,7 @@
       </p:grpSpPr>
       <p:sp>
         <p:nvSpPr>
-          <p:cNvPr id="121" name="Shape 121"/>
+          <p:cNvPr id="109" name="Shape 109"/>
           <p:cNvSpPr>
             <a:spLocks noGrp="1" noRot="1" noChangeAspect="1"/>
           </p:cNvSpPr>
@@ -1291,7 +1291,7 @@
       </p:sp>
       <p:sp>
         <p:nvSpPr>
-          <p:cNvPr id="122" name="Shape 122"/>
+          <p:cNvPr id="110" name="Shape 110"/>
           <p:cNvSpPr txBox="1">
             <a:spLocks noGrp="1"/>
           </p:cNvSpPr>
@@ -1331,7 +1331,7 @@
   <p:cSld>
     <p:spTree>
       <p:nvGrpSpPr>
-        <p:cNvPr id="1" name="Shape 126"/>
+        <p:cNvPr id="1" name="Shape 114"/>
         <p:cNvGrpSpPr/>
         <p:nvPr/>
       </p:nvGrpSpPr>
@@ -1345,7 +1345,7 @@
       </p:grpSpPr>
       <p:sp>
         <p:nvSpPr>
-          <p:cNvPr id="127" name="Shape 127"/>
+          <p:cNvPr id="115" name="Shape 115"/>
           <p:cNvSpPr>
             <a:spLocks noGrp="1" noRot="1" noChangeAspect="1"/>
           </p:cNvSpPr>
@@ -1386,7 +1386,7 @@
       </p:sp>
       <p:sp>
         <p:nvSpPr>
-          <p:cNvPr id="128" name="Shape 128"/>
+          <p:cNvPr id="116" name="Shape 116"/>
           <p:cNvSpPr txBox="1">
             <a:spLocks noGrp="1"/>
           </p:cNvSpPr>
@@ -1426,7 +1426,7 @@
   <p:cSld>
     <p:spTree>
       <p:nvGrpSpPr>
-        <p:cNvPr id="1" name="Shape 132"/>
+        <p:cNvPr id="1" name="Shape 120"/>
         <p:cNvGrpSpPr/>
         <p:nvPr/>
       </p:nvGrpSpPr>
@@ -1440,7 +1440,7 @@
       </p:grpSpPr>
       <p:sp>
         <p:nvSpPr>
-          <p:cNvPr id="133" name="Shape 133"/>
+          <p:cNvPr id="121" name="Shape 121"/>
           <p:cNvSpPr>
             <a:spLocks noGrp="1" noRot="1" noChangeAspect="1"/>
           </p:cNvSpPr>
@@ -1450,8 +1450,8 @@
         </p:nvSpPr>
         <p:spPr>
           <a:xfrm>
-            <a:off x="1143225" y="685800"/>
-            <a:ext cx="4572299" cy="3429000"/>
+            <a:off x="1143000" y="685800"/>
+            <a:ext cx="4572000" cy="3429000"/>
           </a:xfrm>
           <a:custGeom>
             <a:avLst/>
@@ -1481,7 +1481,7 @@
       </p:sp>
       <p:sp>
         <p:nvSpPr>
-          <p:cNvPr id="134" name="Shape 134"/>
+          <p:cNvPr id="122" name="Shape 122"/>
           <p:cNvSpPr txBox="1">
             <a:spLocks noGrp="1"/>
           </p:cNvSpPr>
@@ -1616,7 +1616,7 @@
   <p:cSld>
     <p:spTree>
       <p:nvGrpSpPr>
-        <p:cNvPr id="1" name="Shape 138"/>
+        <p:cNvPr id="1" name="Shape 126"/>
         <p:cNvGrpSpPr/>
         <p:nvPr/>
       </p:nvGrpSpPr>
@@ -1630,7 +1630,7 @@
       </p:grpSpPr>
       <p:sp>
         <p:nvSpPr>
-          <p:cNvPr id="139" name="Shape 139"/>
+          <p:cNvPr id="127" name="Shape 127"/>
           <p:cNvSpPr>
             <a:spLocks noGrp="1" noRot="1" noChangeAspect="1"/>
           </p:cNvSpPr>
@@ -1671,7 +1671,7 @@
       </p:sp>
       <p:sp>
         <p:nvSpPr>
-          <p:cNvPr id="140" name="Shape 140"/>
+          <p:cNvPr id="128" name="Shape 128"/>
           <p:cNvSpPr txBox="1">
             <a:spLocks noGrp="1"/>
           </p:cNvSpPr>
@@ -1711,7 +1711,7 @@
   <p:cSld>
     <p:spTree>
       <p:nvGrpSpPr>
-        <p:cNvPr id="1" name="Shape 144"/>
+        <p:cNvPr id="1" name="Shape 132"/>
         <p:cNvGrpSpPr/>
         <p:nvPr/>
       </p:nvGrpSpPr>
@@ -1725,7 +1725,7 @@
       </p:grpSpPr>
       <p:sp>
         <p:nvSpPr>
-          <p:cNvPr id="145" name="Shape 145"/>
+          <p:cNvPr id="133" name="Shape 133"/>
           <p:cNvSpPr>
             <a:spLocks noGrp="1" noRot="1" noChangeAspect="1"/>
           </p:cNvSpPr>
@@ -1735,8 +1735,8 @@
         </p:nvSpPr>
         <p:spPr>
           <a:xfrm>
-            <a:off x="1143225" y="685800"/>
-            <a:ext cx="4572299" cy="3429000"/>
+            <a:off x="1143000" y="685800"/>
+            <a:ext cx="4572000" cy="3429000"/>
           </a:xfrm>
           <a:custGeom>
             <a:avLst/>
@@ -1766,7 +1766,7 @@
       </p:sp>
       <p:sp>
         <p:nvSpPr>
-          <p:cNvPr id="146" name="Shape 146"/>
+          <p:cNvPr id="134" name="Shape 134"/>
           <p:cNvSpPr txBox="1">
             <a:spLocks noGrp="1"/>
           </p:cNvSpPr>
@@ -1806,7 +1806,7 @@
   <p:cSld>
     <p:spTree>
       <p:nvGrpSpPr>
-        <p:cNvPr id="1" name="Shape 150"/>
+        <p:cNvPr id="1" name="Shape 138"/>
         <p:cNvGrpSpPr/>
         <p:nvPr/>
       </p:nvGrpSpPr>
@@ -1820,7 +1820,7 @@
       </p:grpSpPr>
       <p:sp>
         <p:nvSpPr>
-          <p:cNvPr id="151" name="Shape 151"/>
+          <p:cNvPr id="139" name="Shape 139"/>
           <p:cNvSpPr>
             <a:spLocks noGrp="1" noRot="1" noChangeAspect="1"/>
           </p:cNvSpPr>
@@ -1861,7 +1861,7 @@
       </p:sp>
       <p:sp>
         <p:nvSpPr>
-          <p:cNvPr id="152" name="Shape 152"/>
+          <p:cNvPr id="140" name="Shape 140"/>
           <p:cNvSpPr txBox="1">
             <a:spLocks noGrp="1"/>
           </p:cNvSpPr>
@@ -1925,8 +1925,8 @@
         </p:nvSpPr>
         <p:spPr>
           <a:xfrm>
-            <a:off x="1143225" y="685800"/>
-            <a:ext cx="4572299" cy="3429000"/>
+            <a:off x="1143000" y="685800"/>
+            <a:ext cx="4572000" cy="3429000"/>
           </a:xfrm>
           <a:custGeom>
             <a:avLst/>
@@ -2115,8 +2115,8 @@
         </p:nvSpPr>
         <p:spPr>
           <a:xfrm>
-            <a:off x="1143225" y="685800"/>
-            <a:ext cx="4572299" cy="3429000"/>
+            <a:off x="1143000" y="685800"/>
+            <a:ext cx="4572000" cy="3429000"/>
           </a:xfrm>
           <a:custGeom>
             <a:avLst/>
@@ -2376,7 +2376,7 @@
   <p:cSld>
     <p:spTree>
       <p:nvGrpSpPr>
-        <p:cNvPr id="1" name="Shape 48"/>
+        <p:cNvPr id="1" name="Shape 144"/>
         <p:cNvGrpSpPr/>
         <p:nvPr/>
       </p:nvGrpSpPr>
@@ -2390,7 +2390,7 @@
       </p:grpSpPr>
       <p:sp>
         <p:nvSpPr>
-          <p:cNvPr id="49" name="Shape 49"/>
+          <p:cNvPr id="145" name="Shape 145"/>
           <p:cNvSpPr>
             <a:spLocks noGrp="1" noRot="1" noChangeAspect="1"/>
           </p:cNvSpPr>
@@ -2400,8 +2400,8 @@
         </p:nvSpPr>
         <p:spPr>
           <a:xfrm>
-            <a:off x="1143225" y="685800"/>
-            <a:ext cx="4572299" cy="3429000"/>
+            <a:off x="1143000" y="685800"/>
+            <a:ext cx="4572000" cy="3429000"/>
           </a:xfrm>
           <a:custGeom>
             <a:avLst/>
@@ -2431,7 +2431,7 @@
       </p:sp>
       <p:sp>
         <p:nvSpPr>
-          <p:cNvPr id="50" name="Shape 50"/>
+          <p:cNvPr id="146" name="Shape 146"/>
           <p:cNvSpPr txBox="1">
             <a:spLocks noGrp="1"/>
           </p:cNvSpPr>
@@ -2471,7 +2471,7 @@
   <p:cSld>
     <p:spTree>
       <p:nvGrpSpPr>
-        <p:cNvPr id="1" name="Shape 54"/>
+        <p:cNvPr id="1" name="Shape 48"/>
         <p:cNvGrpSpPr/>
         <p:nvPr/>
       </p:nvGrpSpPr>
@@ -2485,7 +2485,7 @@
       </p:grpSpPr>
       <p:sp>
         <p:nvSpPr>
-          <p:cNvPr id="55" name="Shape 55"/>
+          <p:cNvPr id="49" name="Shape 49"/>
           <p:cNvSpPr>
             <a:spLocks noGrp="1" noRot="1" noChangeAspect="1"/>
           </p:cNvSpPr>
@@ -2526,7 +2526,7 @@
       </p:sp>
       <p:sp>
         <p:nvSpPr>
-          <p:cNvPr id="56" name="Shape 56"/>
+          <p:cNvPr id="50" name="Shape 50"/>
           <p:cNvSpPr txBox="1">
             <a:spLocks noGrp="1"/>
           </p:cNvSpPr>
@@ -2566,7 +2566,7 @@
   <p:cSld>
     <p:spTree>
       <p:nvGrpSpPr>
-        <p:cNvPr id="1" name="Shape 60"/>
+        <p:cNvPr id="1" name="Shape 54"/>
         <p:cNvGrpSpPr/>
         <p:nvPr/>
       </p:nvGrpSpPr>
@@ -2580,7 +2580,7 @@
       </p:grpSpPr>
       <p:sp>
         <p:nvSpPr>
-          <p:cNvPr id="61" name="Shape 61"/>
+          <p:cNvPr id="55" name="Shape 55"/>
           <p:cNvSpPr>
             <a:spLocks noGrp="1" noRot="1" noChangeAspect="1"/>
           </p:cNvSpPr>
@@ -2621,7 +2621,7 @@
       </p:sp>
       <p:sp>
         <p:nvSpPr>
-          <p:cNvPr id="62" name="Shape 62"/>
+          <p:cNvPr id="56" name="Shape 56"/>
           <p:cNvSpPr txBox="1">
             <a:spLocks noGrp="1"/>
           </p:cNvSpPr>
@@ -2661,7 +2661,7 @@
   <p:cSld>
     <p:spTree>
       <p:nvGrpSpPr>
-        <p:cNvPr id="1" name="Shape 66"/>
+        <p:cNvPr id="1" name="Shape 60"/>
         <p:cNvGrpSpPr/>
         <p:nvPr/>
       </p:nvGrpSpPr>
@@ -2675,7 +2675,7 @@
       </p:grpSpPr>
       <p:sp>
         <p:nvSpPr>
-          <p:cNvPr id="67" name="Shape 67"/>
+          <p:cNvPr id="61" name="Shape 61"/>
           <p:cNvSpPr>
             <a:spLocks noGrp="1" noRot="1" noChangeAspect="1"/>
           </p:cNvSpPr>
@@ -2716,7 +2716,7 @@
       </p:sp>
       <p:sp>
         <p:nvSpPr>
-          <p:cNvPr id="68" name="Shape 68"/>
+          <p:cNvPr id="62" name="Shape 62"/>
           <p:cNvSpPr txBox="1">
             <a:spLocks noGrp="1"/>
           </p:cNvSpPr>
@@ -2756,7 +2756,7 @@
   <p:cSld>
     <p:spTree>
       <p:nvGrpSpPr>
-        <p:cNvPr id="1" name="Shape 72"/>
+        <p:cNvPr id="1" name="Shape 66"/>
         <p:cNvGrpSpPr/>
         <p:nvPr/>
       </p:nvGrpSpPr>
@@ -2770,7 +2770,7 @@
       </p:grpSpPr>
       <p:sp>
         <p:nvSpPr>
-          <p:cNvPr id="73" name="Shape 73"/>
+          <p:cNvPr id="67" name="Shape 67"/>
           <p:cNvSpPr>
             <a:spLocks noGrp="1" noRot="1" noChangeAspect="1"/>
           </p:cNvSpPr>
@@ -2811,7 +2811,7 @@
       </p:sp>
       <p:sp>
         <p:nvSpPr>
-          <p:cNvPr id="74" name="Shape 74"/>
+          <p:cNvPr id="68" name="Shape 68"/>
           <p:cNvSpPr txBox="1">
             <a:spLocks noGrp="1"/>
           </p:cNvSpPr>
@@ -5449,7 +5449,7 @@
   <p:cSld>
     <p:spTree>
       <p:nvGrpSpPr>
-        <p:cNvPr id="1" name="Shape 75"/>
+        <p:cNvPr id="1" name="Shape 69"/>
         <p:cNvGrpSpPr/>
         <p:nvPr/>
       </p:nvGrpSpPr>
@@ -5463,7 +5463,7 @@
       </p:grpSpPr>
       <p:sp>
         <p:nvSpPr>
-          <p:cNvPr id="76" name="Shape 76"/>
+          <p:cNvPr id="70" name="Shape 70"/>
           <p:cNvSpPr txBox="1">
             <a:spLocks noGrp="1"/>
           </p:cNvSpPr>
@@ -5491,14 +5491,14 @@
             </a:pPr>
             <a:r>
               <a:rPr lang="en"/>
-              <a:t>Read them and, if helpful, have them available on secondary or mobile display</a:t>
+              <a:t>Know what you will say in slide or section and what to errors expect in the labs</a:t>
             </a:r>
           </a:p>
         </p:txBody>
       </p:sp>
       <p:sp>
         <p:nvSpPr>
-          <p:cNvPr id="77" name="Shape 77"/>
+          <p:cNvPr id="71" name="Shape 71"/>
           <p:cNvSpPr txBox="1">
             <a:spLocks noGrp="1"/>
           </p:cNvSpPr>
@@ -5526,7 +5526,7 @@
             </a:pPr>
             <a:r>
               <a:rPr lang="en"/>
-              <a:t>Speaker notes are for YOU</a:t>
+              <a:t>Prepare again and again...</a:t>
             </a:r>
           </a:p>
         </p:txBody>
@@ -5547,7 +5547,7 @@
   <p:cSld>
     <p:spTree>
       <p:nvGrpSpPr>
-        <p:cNvPr id="1" name="Shape 81"/>
+        <p:cNvPr id="1" name="Shape 75"/>
         <p:cNvGrpSpPr/>
         <p:nvPr/>
       </p:nvGrpSpPr>
@@ -5561,7 +5561,7 @@
       </p:grpSpPr>
       <p:sp>
         <p:nvSpPr>
-          <p:cNvPr id="82" name="Shape 82"/>
+          <p:cNvPr id="76" name="Shape 76"/>
           <p:cNvSpPr txBox="1">
             <a:spLocks noGrp="1"/>
           </p:cNvSpPr>
@@ -5584,19 +5584,19 @@
           </a:bodyPr>
           <a:lstStyle/>
           <a:p>
-            <a:pPr lvl="0" rtl="0">
+            <a:pPr>
               <a:buNone/>
             </a:pPr>
             <a:r>
               <a:rPr lang="en"/>
-              <a:t>If you are feeling uncomfortable with any content, hide or skip it and talk to others about how to deliver it</a:t>
+              <a:t>Read them and, if helpful, have them available on secondary or mobile display</a:t>
             </a:r>
           </a:p>
         </p:txBody>
       </p:sp>
       <p:sp>
         <p:nvSpPr>
-          <p:cNvPr id="83" name="Shape 83"/>
+          <p:cNvPr id="77" name="Shape 77"/>
           <p:cNvSpPr txBox="1">
             <a:spLocks noGrp="1"/>
           </p:cNvSpPr>
@@ -5619,12 +5619,12 @@
           </a:bodyPr>
           <a:lstStyle/>
           <a:p>
-            <a:pPr lvl="0" rtl="0">
+            <a:pPr>
               <a:buNone/>
             </a:pPr>
             <a:r>
               <a:rPr lang="en"/>
-              <a:t>Don't corner yourself</a:t>
+              <a:t>Speaker notes are for YOU</a:t>
             </a:r>
           </a:p>
         </p:txBody>
@@ -5645,7 +5645,7 @@
   <p:cSld>
     <p:spTree>
       <p:nvGrpSpPr>
-        <p:cNvPr id="1" name="Shape 87"/>
+        <p:cNvPr id="1" name="Shape 81"/>
         <p:cNvGrpSpPr/>
         <p:nvPr/>
       </p:nvGrpSpPr>
@@ -5659,7 +5659,7 @@
       </p:grpSpPr>
       <p:sp>
         <p:nvSpPr>
-          <p:cNvPr id="88" name="Shape 88"/>
+          <p:cNvPr id="82" name="Shape 82"/>
           <p:cNvSpPr txBox="1">
             <a:spLocks noGrp="1"/>
           </p:cNvSpPr>
@@ -5687,26 +5687,14 @@
             </a:pPr>
             <a:r>
               <a:rPr lang="en"/>
-              <a:t>Everybody loves cases, deeper explanations, tips, tricks &amp; hacks.</a:t>
+              <a:t>If you are feeling uncomfortable with any content, hide or skip it and talk to others about how to deliver it</a:t>
             </a:r>
           </a:p>
-          <a:p>
-            <a:endParaRPr lang="en"/>
-          </a:p>
-          <a:p>
-            <a:pPr>
-              <a:buNone/>
-            </a:pPr>
-            <a:r>
-              <a:rPr lang="en"/>
-              <a:t>It is also important that they perceive you as an experienced solution developer, not just content relayer. </a:t>
-            </a:r>
-          </a:p>
         </p:txBody>
       </p:sp>
       <p:sp>
         <p:nvSpPr>
-          <p:cNvPr id="89" name="Shape 89"/>
+          <p:cNvPr id="83" name="Shape 83"/>
           <p:cNvSpPr txBox="1">
             <a:spLocks noGrp="1"/>
           </p:cNvSpPr>
@@ -5729,12 +5717,12 @@
           </a:bodyPr>
           <a:lstStyle/>
           <a:p>
-            <a:pPr>
+            <a:pPr lvl="0" rtl="0">
               <a:buNone/>
             </a:pPr>
             <a:r>
               <a:rPr lang="en"/>
-              <a:t>Add your experience</a:t>
+              <a:t>Don't corner yourself</a:t>
             </a:r>
           </a:p>
         </p:txBody>
@@ -5755,7 +5743,7 @@
   <p:cSld>
     <p:spTree>
       <p:nvGrpSpPr>
-        <p:cNvPr id="1" name="Shape 93"/>
+        <p:cNvPr id="1" name="Shape 87"/>
         <p:cNvGrpSpPr/>
         <p:nvPr/>
       </p:nvGrpSpPr>
@@ -5769,7 +5757,7 @@
       </p:grpSpPr>
       <p:sp>
         <p:nvSpPr>
-          <p:cNvPr id="94" name="Shape 94"/>
+          <p:cNvPr id="88" name="Shape 88"/>
           <p:cNvSpPr txBox="1">
             <a:spLocks noGrp="1"/>
           </p:cNvSpPr>
@@ -5792,19 +5780,31 @@
           </a:bodyPr>
           <a:lstStyle/>
           <a:p>
-            <a:pPr>
+            <a:pPr lvl="0" rtl="0">
               <a:buNone/>
             </a:pPr>
             <a:r>
               <a:rPr lang="en"/>
-              <a:t>Whitepapers, Reference Architectures and Case Studies and TCO Tools can make a good answer great!</a:t>
+              <a:t>Everybody loves cases, deeper explanations, tips, tricks &amp; hacks.</a:t>
             </a:r>
           </a:p>
+          <a:p>
+            <a:endParaRPr lang="en"/>
+          </a:p>
+          <a:p>
+            <a:pPr>
+              <a:buNone/>
+            </a:pPr>
+            <a:r>
+              <a:rPr lang="en"/>
+              <a:t>It is also important that they perceive you as an experienced solution developer, not just content relayer. </a:t>
+            </a:r>
+          </a:p>
         </p:txBody>
       </p:sp>
       <p:sp>
         <p:nvSpPr>
-          <p:cNvPr id="95" name="Shape 95"/>
+          <p:cNvPr id="89" name="Shape 89"/>
           <p:cNvSpPr txBox="1">
             <a:spLocks noGrp="1"/>
           </p:cNvSpPr>
@@ -5832,7 +5832,7 @@
             </a:pPr>
             <a:r>
               <a:rPr lang="en"/>
-              <a:t>AWS Resources</a:t>
+              <a:t>Add your experience</a:t>
             </a:r>
           </a:p>
         </p:txBody>
@@ -5853,7 +5853,7 @@
   <p:cSld>
     <p:spTree>
       <p:nvGrpSpPr>
-        <p:cNvPr id="1" name="Shape 99"/>
+        <p:cNvPr id="1" name="Shape 93"/>
         <p:cNvGrpSpPr/>
         <p:nvPr/>
       </p:nvGrpSpPr>
@@ -5867,7 +5867,7 @@
       </p:grpSpPr>
       <p:sp>
         <p:nvSpPr>
-          <p:cNvPr id="100" name="Shape 100"/>
+          <p:cNvPr id="94" name="Shape 94"/>
           <p:cNvSpPr txBox="1">
             <a:spLocks noGrp="1"/>
           </p:cNvSpPr>
@@ -5895,14 +5895,14 @@
             </a:pPr>
             <a:r>
               <a:rPr lang="en"/>
-              <a:t>Review last day, present day agenda, get and set expectations, write timing and facility information.</a:t>
+              <a:t>Whitepapers, Reference Architectures and Case Studies and TCO Tools can make a good answer great!</a:t>
             </a:r>
           </a:p>
         </p:txBody>
       </p:sp>
       <p:sp>
         <p:nvSpPr>
-          <p:cNvPr id="101" name="Shape 101"/>
+          <p:cNvPr id="95" name="Shape 95"/>
           <p:cNvSpPr txBox="1">
             <a:spLocks noGrp="1"/>
           </p:cNvSpPr>
@@ -5929,8 +5929,12 @@
               <a:buNone/>
             </a:pPr>
             <a:r>
-              <a:rPr lang="en"/>
-              <a:t>Introduce the day clearly</a:t>
+              <a:rPr lang="en" dirty="0" smtClean="0"/>
+              <a:t>Show AWS </a:t>
+            </a:r>
+            <a:r>
+              <a:rPr lang="en" dirty="0"/>
+              <a:t>Resources</a:t>
             </a:r>
           </a:p>
         </p:txBody>
@@ -5951,7 +5955,7 @@
   <p:cSld>
     <p:spTree>
       <p:nvGrpSpPr>
-        <p:cNvPr id="1" name="Shape 105"/>
+        <p:cNvPr id="1" name="Shape 147"/>
         <p:cNvGrpSpPr/>
         <p:nvPr/>
       </p:nvGrpSpPr>
@@ -5965,7 +5969,7 @@
       </p:grpSpPr>
       <p:sp>
         <p:nvSpPr>
-          <p:cNvPr id="106" name="Shape 106"/>
+          <p:cNvPr id="148" name="Shape 148"/>
           <p:cNvSpPr txBox="1">
             <a:spLocks noGrp="1"/>
           </p:cNvSpPr>
@@ -5992,15 +5996,15 @@
               <a:buNone/>
             </a:pPr>
             <a:r>
-              <a:rPr lang="en"/>
-              <a:t>Clock your time or refer to instructors guide for each topic and set explicit lab and break times.</a:t>
+              <a:rPr lang="en" dirty="0"/>
+              <a:t>Console, Demos, Videos, Whiteboard… everything is more interesting than slides.</a:t>
             </a:r>
           </a:p>
         </p:txBody>
       </p:sp>
       <p:sp>
         <p:nvSpPr>
-          <p:cNvPr id="107" name="Shape 107"/>
+          <p:cNvPr id="149" name="Shape 149"/>
           <p:cNvSpPr txBox="1">
             <a:spLocks noGrp="1"/>
           </p:cNvSpPr>
@@ -6027,8 +6031,16 @@
               <a:buNone/>
             </a:pPr>
             <a:r>
-              <a:rPr lang="en"/>
-              <a:t>Manage time carefully and explicitly</a:t>
+              <a:rPr lang="en" dirty="0"/>
+              <a:t>Use </a:t>
+            </a:r>
+            <a:r>
+              <a:rPr lang="en" dirty="0" smtClean="0"/>
+              <a:t>external </a:t>
+            </a:r>
+            <a:r>
+              <a:rPr lang="en" dirty="0"/>
+              <a:t>resources</a:t>
             </a:r>
           </a:p>
         </p:txBody>
@@ -6049,7 +6061,7 @@
   <p:cSld>
     <p:spTree>
       <p:nvGrpSpPr>
-        <p:cNvPr id="1" name="Shape 111"/>
+        <p:cNvPr id="1" name="Shape 99"/>
         <p:cNvGrpSpPr/>
         <p:nvPr/>
       </p:nvGrpSpPr>
@@ -6063,7 +6075,7 @@
       </p:grpSpPr>
       <p:sp>
         <p:nvSpPr>
-          <p:cNvPr id="112" name="Shape 112"/>
+          <p:cNvPr id="100" name="Shape 100"/>
           <p:cNvSpPr txBox="1">
             <a:spLocks noGrp="1"/>
           </p:cNvSpPr>
@@ -6091,14 +6103,14 @@
             </a:pPr>
             <a:r>
               <a:rPr lang="en"/>
-              <a:t>Let people refresh attention every major or couple minor topics.</a:t>
+              <a:t>Review last day, present day agenda, get and set expectations, write timing and facility information.</a:t>
             </a:r>
           </a:p>
         </p:txBody>
       </p:sp>
       <p:sp>
         <p:nvSpPr>
-          <p:cNvPr id="113" name="Shape 113"/>
+          <p:cNvPr id="101" name="Shape 101"/>
           <p:cNvSpPr txBox="1">
             <a:spLocks noGrp="1"/>
           </p:cNvSpPr>
@@ -6126,7 +6138,7 @@
             </a:pPr>
             <a:r>
               <a:rPr lang="en"/>
-              <a:t>Give a break</a:t>
+              <a:t>Introduce the day clearly</a:t>
             </a:r>
           </a:p>
         </p:txBody>
@@ -6147,7 +6159,7 @@
   <p:cSld>
     <p:spTree>
       <p:nvGrpSpPr>
-        <p:cNvPr id="1" name="Shape 117"/>
+        <p:cNvPr id="1" name="Shape 105"/>
         <p:cNvGrpSpPr/>
         <p:nvPr/>
       </p:nvGrpSpPr>
@@ -6161,7 +6173,7 @@
       </p:grpSpPr>
       <p:sp>
         <p:nvSpPr>
-          <p:cNvPr id="118" name="Shape 118"/>
+          <p:cNvPr id="106" name="Shape 106"/>
           <p:cNvSpPr txBox="1">
             <a:spLocks noGrp="1"/>
           </p:cNvSpPr>
@@ -6171,8 +6183,8 @@
         </p:nvSpPr>
         <p:spPr>
           <a:xfrm>
-            <a:off x="303650" y="3786750"/>
-            <a:ext cx="8154599" cy="1046400"/>
+            <a:off x="685800" y="3786737"/>
+            <a:ext cx="7772400" cy="1046400"/>
           </a:xfrm>
           <a:prstGeom prst="rect">
             <a:avLst/>
@@ -6184,61 +6196,19 @@
           </a:bodyPr>
           <a:lstStyle/>
           <a:p>
-            <a:pPr lvl="0" algn="l" rtl="0">
+            <a:pPr>
               <a:buNone/>
             </a:pPr>
             <a:r>
               <a:rPr lang="en"/>
-              <a:t>- Listen fully, even if know the question</a:t>
+              <a:t>Clock your time or refer to instructors guide for each topic and set explicit lab and break times.</a:t>
             </a:r>
           </a:p>
-          <a:p>
-            <a:pPr lvl="0" algn="l" rtl="0">
-              <a:buNone/>
-            </a:pPr>
-            <a:r>
-              <a:rPr lang="en"/>
-              <a:t>- Give precise answers first, comment after</a:t>
-            </a:r>
-          </a:p>
-          <a:p>
-            <a:pPr lvl="0" algn="l" rtl="0">
-              <a:buNone/>
-            </a:pPr>
-            <a:r>
-              <a:rPr lang="en"/>
-              <a:t>- It is fine to not know, defer and follow up</a:t>
-            </a:r>
-          </a:p>
-          <a:p>
-            <a:pPr lvl="0" algn="l" rtl="0">
-              <a:buNone/>
-            </a:pPr>
-            <a:r>
-              <a:rPr lang="en"/>
-              <a:t>- If they do not seem to get the point, try a different angle or example</a:t>
-            </a:r>
-          </a:p>
-          <a:p>
-            <a:pPr lvl="0" algn="l" rtl="0">
-              <a:buNone/>
-            </a:pPr>
-            <a:r>
-              <a:rPr lang="en"/>
-              <a:t>- Ask back later to verify understanding</a:t>
-            </a:r>
-          </a:p>
-          <a:p>
-            <a:endParaRPr lang="en"/>
-          </a:p>
-          <a:p>
-            <a:endParaRPr lang="en"/>
-          </a:p>
         </p:txBody>
       </p:sp>
       <p:sp>
         <p:nvSpPr>
-          <p:cNvPr id="119" name="Shape 119"/>
+          <p:cNvPr id="107" name="Shape 107"/>
           <p:cNvSpPr txBox="1">
             <a:spLocks noGrp="1"/>
           </p:cNvSpPr>
@@ -6266,7 +6236,7 @@
             </a:pPr>
             <a:r>
               <a:rPr lang="en"/>
-              <a:t>Questions are great content!</a:t>
+              <a:t>Manage time carefully and explicitly</a:t>
             </a:r>
           </a:p>
         </p:txBody>
@@ -6287,7 +6257,7 @@
   <p:cSld>
     <p:spTree>
       <p:nvGrpSpPr>
-        <p:cNvPr id="1" name="Shape 123"/>
+        <p:cNvPr id="1" name="Shape 111"/>
         <p:cNvGrpSpPr/>
         <p:nvPr/>
       </p:nvGrpSpPr>
@@ -6301,7 +6271,7 @@
       </p:grpSpPr>
       <p:sp>
         <p:nvSpPr>
-          <p:cNvPr id="124" name="Shape 124"/>
+          <p:cNvPr id="112" name="Shape 112"/>
           <p:cNvSpPr txBox="1">
             <a:spLocks noGrp="1"/>
           </p:cNvSpPr>
@@ -6324,40 +6294,19 @@
           </a:bodyPr>
           <a:lstStyle/>
           <a:p>
-            <a:pPr lvl="0" algn="l" rtl="0">
+            <a:pPr>
               <a:buNone/>
             </a:pPr>
             <a:r>
               <a:rPr lang="en"/>
-              <a:t>- Prepare for failures, know the workarounds</a:t>
+              <a:t>Let people refresh attention every major or couple minor topics.</a:t>
             </a:r>
           </a:p>
-          <a:p>
-            <a:pPr lvl="0" algn="l" rtl="0">
-              <a:buNone/>
-            </a:pPr>
-            <a:r>
-              <a:rPr lang="en"/>
-              <a:t>- Introduce and review the exercise</a:t>
-            </a:r>
-          </a:p>
-          <a:p>
-            <a:pPr lvl="0" algn="l" rtl="0">
-              <a:buNone/>
-            </a:pPr>
-            <a:r>
-              <a:rPr lang="en"/>
-              <a:t>- Watch for stuck students and help them through</a:t>
-            </a:r>
-          </a:p>
-          <a:p>
-            <a:endParaRPr lang="en"/>
-          </a:p>
         </p:txBody>
       </p:sp>
       <p:sp>
         <p:nvSpPr>
-          <p:cNvPr id="125" name="Shape 125"/>
+          <p:cNvPr id="113" name="Shape 113"/>
           <p:cNvSpPr txBox="1">
             <a:spLocks noGrp="1"/>
           </p:cNvSpPr>
@@ -6385,7 +6334,7 @@
             </a:pPr>
             <a:r>
               <a:rPr lang="en"/>
-              <a:t>Take care of the labs</a:t>
+              <a:t>Give a break</a:t>
             </a:r>
           </a:p>
         </p:txBody>
@@ -6406,7 +6355,7 @@
   <p:cSld>
     <p:spTree>
       <p:nvGrpSpPr>
-        <p:cNvPr id="1" name="Shape 129"/>
+        <p:cNvPr id="1" name="Shape 117"/>
         <p:cNvGrpSpPr/>
         <p:nvPr/>
       </p:nvGrpSpPr>
@@ -6420,7 +6369,7 @@
       </p:grpSpPr>
       <p:sp>
         <p:nvSpPr>
-          <p:cNvPr id="130" name="Shape 130"/>
+          <p:cNvPr id="118" name="Shape 118"/>
           <p:cNvSpPr txBox="1">
             <a:spLocks noGrp="1"/>
           </p:cNvSpPr>
@@ -6430,8 +6379,8 @@
         </p:nvSpPr>
         <p:spPr>
           <a:xfrm>
-            <a:off x="685800" y="3786737"/>
-            <a:ext cx="7772400" cy="1046400"/>
+            <a:off x="444757" y="2364002"/>
+            <a:ext cx="8154599" cy="1046400"/>
           </a:xfrm>
           <a:prstGeom prst="rect">
             <a:avLst/>
@@ -6443,19 +6392,77 @@
           </a:bodyPr>
           <a:lstStyle/>
           <a:p>
-            <a:pPr>
+            <a:pPr lvl="0" algn="l" rtl="0">
               <a:buNone/>
             </a:pPr>
             <a:r>
-              <a:rPr lang="en"/>
-              <a:t>It is unnatural and weird, but that is why everyone pays attention to it.</a:t>
+              <a:rPr lang="en" dirty="0"/>
+              <a:t>- Listen fully, even if know the question</a:t>
             </a:r>
           </a:p>
+          <a:p>
+            <a:pPr lvl="0" algn="l" rtl="0">
+              <a:buNone/>
+            </a:pPr>
+            <a:r>
+              <a:rPr lang="en" dirty="0"/>
+              <a:t>- Give precise answers first, </a:t>
+            </a:r>
+            <a:r>
+              <a:rPr lang="en" dirty="0" smtClean="0"/>
+              <a:t>explain </a:t>
+            </a:r>
+            <a:r>
+              <a:rPr lang="en" dirty="0"/>
+              <a:t>after</a:t>
+            </a:r>
+          </a:p>
+          <a:p>
+            <a:pPr lvl="0" algn="l" rtl="0">
+              <a:buNone/>
+            </a:pPr>
+            <a:r>
+              <a:rPr lang="en" dirty="0"/>
+              <a:t>- It is </a:t>
+            </a:r>
+            <a:r>
+              <a:rPr lang="en" dirty="0" smtClean="0"/>
+              <a:t>ok not to know the answer, </a:t>
+            </a:r>
+            <a:r>
+              <a:rPr lang="en" dirty="0"/>
+              <a:t>defer and follow up</a:t>
+            </a:r>
+          </a:p>
+          <a:p>
+            <a:pPr lvl="0" algn="l" rtl="0">
+              <a:buNone/>
+            </a:pPr>
+            <a:r>
+              <a:rPr lang="en" dirty="0"/>
+              <a:t>- If they do not seem to get the point, try a different angle or example</a:t>
+            </a:r>
+          </a:p>
+          <a:p>
+            <a:pPr lvl="0" algn="l" rtl="0">
+              <a:buNone/>
+            </a:pPr>
+            <a:r>
+              <a:rPr lang="en" dirty="0"/>
+              <a:t>- Ask back later to verify understanding</a:t>
+            </a:r>
+          </a:p>
+          <a:p>
+            <a:endParaRPr lang="en" dirty="0"/>
+          </a:p>
+          <a:p>
+            <a:endParaRPr lang="en" dirty="0"/>
+          </a:p>
         </p:txBody>
       </p:sp>
       <p:sp>
         <p:nvSpPr>
-          <p:cNvPr id="131" name="Shape 131"/>
+          <p:cNvPr id="119" name="Shape 119"/>
           <p:cNvSpPr txBox="1">
             <a:spLocks noGrp="1"/>
           </p:cNvSpPr>
@@ -6465,7 +6472,7 @@
         </p:nvSpPr>
         <p:spPr>
           <a:xfrm>
-            <a:off x="685800" y="2111123"/>
+            <a:off x="685800" y="406177"/>
             <a:ext cx="7772400" cy="1546500"/>
           </a:xfrm>
           <a:prstGeom prst="rect">
@@ -6482,8 +6489,16 @@
               <a:buNone/>
             </a:pPr>
             <a:r>
-              <a:rPr lang="en"/>
-              <a:t>Vary voice tone and volume</a:t>
+              <a:rPr lang="en" dirty="0"/>
+              <a:t>Questions are </a:t>
+            </a:r>
+            <a:r>
+              <a:rPr lang="en" dirty="0" smtClean="0"/>
+              <a:t>the best content</a:t>
+            </a:r>
+            <a:r>
+              <a:rPr lang="en" dirty="0"/>
+              <a:t>!</a:t>
             </a:r>
           </a:p>
         </p:txBody>
@@ -6546,7 +6561,7 @@
             </a:pPr>
             <a:r>
               <a:rPr lang="en" dirty="0" smtClean="0"/>
-              <a:t>People only </a:t>
+              <a:t>They only </a:t>
             </a:r>
             <a:r>
               <a:rPr lang="en" dirty="0"/>
@@ -6606,7 +6621,7 @@
   <p:cSld>
     <p:spTree>
       <p:nvGrpSpPr>
-        <p:cNvPr id="1" name="Shape 135"/>
+        <p:cNvPr id="1" name="Shape 123"/>
         <p:cNvGrpSpPr/>
         <p:nvPr/>
       </p:nvGrpSpPr>
@@ -6620,7 +6635,7 @@
       </p:grpSpPr>
       <p:sp>
         <p:nvSpPr>
-          <p:cNvPr id="136" name="Shape 136"/>
+          <p:cNvPr id="124" name="Shape 124"/>
           <p:cNvSpPr txBox="1">
             <a:spLocks noGrp="1"/>
           </p:cNvSpPr>
@@ -6643,19 +6658,40 @@
           </a:bodyPr>
           <a:lstStyle/>
           <a:p>
-            <a:pPr>
+            <a:pPr lvl="0" algn="l" rtl="0">
               <a:buNone/>
             </a:pPr>
             <a:r>
               <a:rPr lang="en"/>
-              <a:t>Gestures and posture variations also helps drawing attention</a:t>
+              <a:t>- Prepare for failures, know the workarounds</a:t>
             </a:r>
           </a:p>
+          <a:p>
+            <a:pPr lvl="0" algn="l" rtl="0">
+              <a:buNone/>
+            </a:pPr>
+            <a:r>
+              <a:rPr lang="en"/>
+              <a:t>- Introduce and review the exercise</a:t>
+            </a:r>
+          </a:p>
+          <a:p>
+            <a:pPr lvl="0" algn="l" rtl="0">
+              <a:buNone/>
+            </a:pPr>
+            <a:r>
+              <a:rPr lang="en"/>
+              <a:t>- Watch for stuck students and help them through</a:t>
+            </a:r>
+          </a:p>
+          <a:p>
+            <a:endParaRPr lang="en"/>
+          </a:p>
         </p:txBody>
       </p:sp>
       <p:sp>
         <p:nvSpPr>
-          <p:cNvPr id="137" name="Shape 137"/>
+          <p:cNvPr id="125" name="Shape 125"/>
           <p:cNvSpPr txBox="1">
             <a:spLocks noGrp="1"/>
           </p:cNvSpPr>
@@ -6683,7 +6719,7 @@
             </a:pPr>
             <a:r>
               <a:rPr lang="en"/>
-              <a:t>Show your hands</a:t>
+              <a:t>Take care of the labs</a:t>
             </a:r>
           </a:p>
         </p:txBody>
@@ -6704,7 +6740,7 @@
   <p:cSld>
     <p:spTree>
       <p:nvGrpSpPr>
-        <p:cNvPr id="1" name="Shape 141"/>
+        <p:cNvPr id="1" name="Shape 129"/>
         <p:cNvGrpSpPr/>
         <p:nvPr/>
       </p:nvGrpSpPr>
@@ -6718,7 +6754,7 @@
       </p:grpSpPr>
       <p:sp>
         <p:nvSpPr>
-          <p:cNvPr id="142" name="Shape 142"/>
+          <p:cNvPr id="130" name="Shape 130"/>
           <p:cNvSpPr txBox="1">
             <a:spLocks noGrp="1"/>
           </p:cNvSpPr>
@@ -6745,15 +6781,23 @@
               <a:buNone/>
             </a:pPr>
             <a:r>
-              <a:rPr lang="en"/>
-              <a:t>Add examples and logic to the sequencing of content</a:t>
+              <a:rPr lang="en" dirty="0"/>
+              <a:t>It is unnatural and </a:t>
             </a:r>
+            <a:r>
+              <a:rPr lang="en" dirty="0" smtClean="0"/>
+              <a:t>weird to do, but that </a:t>
+            </a:r>
+            <a:r>
+              <a:rPr lang="en" dirty="0"/>
+              <a:t>is why everyone pays attention to it.</a:t>
+            </a:r>
           </a:p>
         </p:txBody>
       </p:sp>
       <p:sp>
         <p:nvSpPr>
-          <p:cNvPr id="143" name="Shape 143"/>
+          <p:cNvPr id="131" name="Shape 131"/>
           <p:cNvSpPr txBox="1">
             <a:spLocks noGrp="1"/>
           </p:cNvSpPr>
@@ -6781,7 +6825,7 @@
             </a:pPr>
             <a:r>
               <a:rPr lang="en"/>
-              <a:t>Thread content together</a:t>
+              <a:t>Vary voice tone and volume</a:t>
             </a:r>
           </a:p>
         </p:txBody>
@@ -6802,7 +6846,7 @@
   <p:cSld>
     <p:spTree>
       <p:nvGrpSpPr>
-        <p:cNvPr id="1" name="Shape 147"/>
+        <p:cNvPr id="1" name="Shape 135"/>
         <p:cNvGrpSpPr/>
         <p:nvPr/>
       </p:nvGrpSpPr>
@@ -6816,7 +6860,7 @@
       </p:grpSpPr>
       <p:sp>
         <p:nvSpPr>
-          <p:cNvPr id="148" name="Shape 148"/>
+          <p:cNvPr id="136" name="Shape 136"/>
           <p:cNvSpPr txBox="1">
             <a:spLocks noGrp="1"/>
           </p:cNvSpPr>
@@ -6844,14 +6888,14 @@
             </a:pPr>
             <a:r>
               <a:rPr lang="en"/>
-              <a:t>Console, Demos, Videos, Whiteboard… everything is more interesting than slides.</a:t>
+              <a:t>Gestures and posture variations also helps drawing attention</a:t>
             </a:r>
           </a:p>
         </p:txBody>
       </p:sp>
       <p:sp>
         <p:nvSpPr>
-          <p:cNvPr id="149" name="Shape 149"/>
+          <p:cNvPr id="137" name="Shape 137"/>
           <p:cNvSpPr txBox="1">
             <a:spLocks noGrp="1"/>
           </p:cNvSpPr>
@@ -6879,7 +6923,7 @@
             </a:pPr>
             <a:r>
               <a:rPr lang="en"/>
-              <a:t>Use more resources</a:t>
+              <a:t>Show your hands</a:t>
             </a:r>
           </a:p>
         </p:txBody>
@@ -6924,7 +6968,7 @@
         </p:nvSpPr>
         <p:spPr>
           <a:xfrm>
-            <a:off x="685800" y="3786737"/>
+            <a:off x="685800" y="2916626"/>
             <a:ext cx="7772400" cy="1046400"/>
           </a:xfrm>
           <a:prstGeom prst="rect">
@@ -6941,7 +6985,7 @@
               <a:buNone/>
             </a:pPr>
             <a:r>
-              <a:rPr lang="en"/>
+              <a:rPr lang="en" dirty="0"/>
               <a:t>Record your presentation to kick off bad habits (swaying, playing with markers, talking to board, too loud, too soft, too “salesy”, appearance, too much or too little information when answering, caught in repetitive phrases, “umms”, vendor bashing,..)</a:t>
             </a:r>
           </a:p>
@@ -6959,7 +7003,7 @@
         </p:nvSpPr>
         <p:spPr>
           <a:xfrm>
-            <a:off x="685800" y="2111123"/>
+            <a:off x="685800" y="535744"/>
             <a:ext cx="7772400" cy="1546500"/>
           </a:xfrm>
           <a:prstGeom prst="rect">
@@ -6976,7 +7020,7 @@
               <a:buNone/>
             </a:pPr>
             <a:r>
-              <a:rPr lang="en"/>
+              <a:rPr lang="en" dirty="0"/>
               <a:t>Watch yourself</a:t>
             </a:r>
           </a:p>
@@ -7137,7 +7181,7 @@
               <a:buNone/>
             </a:pPr>
             <a:r>
-              <a:rPr lang="en"/>
+              <a:rPr lang="en" dirty="0"/>
               <a:t>Alternate support feets, walk,</a:t>
             </a:r>
           </a:p>
@@ -7146,9 +7190,18 @@
               <a:buNone/>
             </a:pPr>
             <a:r>
+              <a:rPr lang="en" dirty="0"/>
+              <a:t> </a:t>
+            </a:r>
+            <a:r>
               <a:rPr lang="en"/>
-              <a:t> sit and drink water</a:t>
+              <a:t>sit </a:t>
             </a:r>
+            <a:r>
+              <a:rPr lang="en" smtClean="0"/>
+              <a:t>,drink water and have a good time.</a:t>
+            </a:r>
+            <a:endParaRPr lang="en" dirty="0"/>
           </a:p>
         </p:txBody>
       </p:sp>
@@ -7401,7 +7454,7 @@
   <p:cSld>
     <p:spTree>
       <p:nvGrpSpPr>
-        <p:cNvPr id="1" name="Shape 45"/>
+        <p:cNvPr id="1" name="Shape 141"/>
         <p:cNvGrpSpPr/>
         <p:nvPr/>
       </p:nvGrpSpPr>
@@ -7415,7 +7468,7 @@
       </p:grpSpPr>
       <p:sp>
         <p:nvSpPr>
-          <p:cNvPr id="46" name="Shape 46"/>
+          <p:cNvPr id="142" name="Shape 142"/>
           <p:cNvSpPr txBox="1">
             <a:spLocks noGrp="1"/>
           </p:cNvSpPr>
@@ -7438,19 +7491,25 @@
           </a:bodyPr>
           <a:lstStyle/>
           <a:p>
-            <a:pPr lvl="0" rtl="0">
-              <a:buNone/>
-            </a:pPr>
             <a:r>
-              <a:rPr lang="en"/>
-              <a:t>Stand by the side of the less interested</a:t>
+              <a:rPr lang="en" dirty="0"/>
+              <a:t>Thread disparate </a:t>
             </a:r>
+            <a:r>
+              <a:rPr lang="en" dirty="0" smtClean="0"/>
+              <a:t>content with good</a:t>
+            </a:r>
+            <a:r>
+              <a:rPr lang="en" dirty="0" smtClean="0"/>
+              <a:t> sequence and connection</a:t>
+            </a:r>
+            <a:endParaRPr lang="en" dirty="0"/>
           </a:p>
         </p:txBody>
       </p:sp>
       <p:sp>
         <p:nvSpPr>
-          <p:cNvPr id="47" name="Shape 47"/>
+          <p:cNvPr id="143" name="Shape 143"/>
           <p:cNvSpPr txBox="1">
             <a:spLocks noGrp="1"/>
           </p:cNvSpPr>
@@ -7473,13 +7532,14 @@
           </a:bodyPr>
           <a:lstStyle/>
           <a:p>
-            <a:pPr lvl="0" rtl="0">
+            <a:pPr>
               <a:buNone/>
             </a:pPr>
             <a:r>
-              <a:rPr lang="en"/>
-              <a:t>Move around the class</a:t>
+              <a:rPr lang="en" dirty="0" smtClean="0"/>
+              <a:t>Create a story</a:t>
             </a:r>
+            <a:endParaRPr lang="en" dirty="0"/>
           </a:p>
         </p:txBody>
       </p:sp>
@@ -7499,7 +7559,7 @@
   <p:cSld>
     <p:spTree>
       <p:nvGrpSpPr>
-        <p:cNvPr id="1" name="Shape 51"/>
+        <p:cNvPr id="1" name="Shape 45"/>
         <p:cNvGrpSpPr/>
         <p:nvPr/>
       </p:nvGrpSpPr>
@@ -7513,7 +7573,7 @@
       </p:grpSpPr>
       <p:sp>
         <p:nvSpPr>
-          <p:cNvPr id="52" name="Shape 52"/>
+          <p:cNvPr id="46" name="Shape 46"/>
           <p:cNvSpPr txBox="1">
             <a:spLocks noGrp="1"/>
           </p:cNvSpPr>
@@ -7541,14 +7601,14 @@
             </a:pPr>
             <a:r>
               <a:rPr lang="en"/>
-              <a:t>Keep the boring stuff for… never!</a:t>
+              <a:t>Stand by the side of the less interested</a:t>
             </a:r>
           </a:p>
         </p:txBody>
       </p:sp>
       <p:sp>
         <p:nvSpPr>
-          <p:cNvPr id="53" name="Shape 53"/>
+          <p:cNvPr id="47" name="Shape 47"/>
           <p:cNvSpPr txBox="1">
             <a:spLocks noGrp="1"/>
           </p:cNvSpPr>
@@ -7576,7 +7636,7 @@
             </a:pPr>
             <a:r>
               <a:rPr lang="en"/>
-              <a:t>Start and finish with COOL STUFF</a:t>
+              <a:t>Move around the class</a:t>
             </a:r>
           </a:p>
         </p:txBody>
@@ -7597,7 +7657,7 @@
   <p:cSld>
     <p:spTree>
       <p:nvGrpSpPr>
-        <p:cNvPr id="1" name="Shape 57"/>
+        <p:cNvPr id="1" name="Shape 51"/>
         <p:cNvGrpSpPr/>
         <p:nvPr/>
       </p:nvGrpSpPr>
@@ -7611,7 +7671,7 @@
       </p:grpSpPr>
       <p:sp>
         <p:nvSpPr>
-          <p:cNvPr id="58" name="Shape 58"/>
+          <p:cNvPr id="52" name="Shape 52"/>
           <p:cNvSpPr txBox="1">
             <a:spLocks noGrp="1"/>
           </p:cNvSpPr>
@@ -7634,19 +7694,19 @@
           </a:bodyPr>
           <a:lstStyle/>
           <a:p>
-            <a:pPr>
+            <a:pPr lvl="0" rtl="0">
               <a:buNone/>
             </a:pPr>
             <a:r>
               <a:rPr lang="en"/>
-              <a:t>Specially for complex, incremental explanations</a:t>
+              <a:t>Keep the boring stuff for… never!</a:t>
             </a:r>
           </a:p>
         </p:txBody>
       </p:sp>
       <p:sp>
         <p:nvSpPr>
-          <p:cNvPr id="59" name="Shape 59"/>
+          <p:cNvPr id="53" name="Shape 53"/>
           <p:cNvSpPr txBox="1">
             <a:spLocks noGrp="1"/>
           </p:cNvSpPr>
@@ -7669,12 +7729,12 @@
           </a:bodyPr>
           <a:lstStyle/>
           <a:p>
-            <a:pPr>
+            <a:pPr lvl="0" rtl="0">
               <a:buNone/>
             </a:pPr>
             <a:r>
               <a:rPr lang="en"/>
-              <a:t>Use the whiteboard</a:t>
+              <a:t>Start and finish with COOL STUFF</a:t>
             </a:r>
           </a:p>
         </p:txBody>
@@ -7695,7 +7755,7 @@
   <p:cSld>
     <p:spTree>
       <p:nvGrpSpPr>
-        <p:cNvPr id="1" name="Shape 63"/>
+        <p:cNvPr id="1" name="Shape 57"/>
         <p:cNvGrpSpPr/>
         <p:nvPr/>
       </p:nvGrpSpPr>
@@ -7709,7 +7769,7 @@
       </p:grpSpPr>
       <p:sp>
         <p:nvSpPr>
-          <p:cNvPr id="64" name="Shape 64"/>
+          <p:cNvPr id="58" name="Shape 58"/>
           <p:cNvSpPr txBox="1">
             <a:spLocks noGrp="1"/>
           </p:cNvSpPr>
@@ -7732,19 +7792,19 @@
           </a:bodyPr>
           <a:lstStyle/>
           <a:p>
-            <a:pPr lvl="0" rtl="0">
+            <a:pPr>
               <a:buNone/>
             </a:pPr>
             <a:r>
               <a:rPr lang="en"/>
-              <a:t>Peek the next presentation, check who's having trouble, lookup answers, take some water...</a:t>
+              <a:t>Specially for complex, incremental explanations</a:t>
             </a:r>
           </a:p>
         </p:txBody>
       </p:sp>
       <p:sp>
         <p:nvSpPr>
-          <p:cNvPr id="65" name="Shape 65"/>
+          <p:cNvPr id="59" name="Shape 59"/>
           <p:cNvSpPr txBox="1">
             <a:spLocks noGrp="1"/>
           </p:cNvSpPr>
@@ -7767,12 +7827,12 @@
           </a:bodyPr>
           <a:lstStyle/>
           <a:p>
-            <a:pPr lvl="0" rtl="0">
+            <a:pPr>
               <a:buNone/>
             </a:pPr>
             <a:r>
               <a:rPr lang="en"/>
-              <a:t>Use the lab time</a:t>
+              <a:t>Use the whiteboard</a:t>
             </a:r>
           </a:p>
         </p:txBody>
@@ -7793,7 +7853,7 @@
   <p:cSld>
     <p:spTree>
       <p:nvGrpSpPr>
-        <p:cNvPr id="1" name="Shape 69"/>
+        <p:cNvPr id="1" name="Shape 63"/>
         <p:cNvGrpSpPr/>
         <p:nvPr/>
       </p:nvGrpSpPr>
@@ -7807,7 +7867,7 @@
       </p:grpSpPr>
       <p:sp>
         <p:nvSpPr>
-          <p:cNvPr id="70" name="Shape 70"/>
+          <p:cNvPr id="64" name="Shape 64"/>
           <p:cNvSpPr txBox="1">
             <a:spLocks noGrp="1"/>
           </p:cNvSpPr>
@@ -7830,19 +7890,19 @@
           </a:bodyPr>
           <a:lstStyle/>
           <a:p>
-            <a:pPr>
+            <a:pPr lvl="0" rtl="0">
               <a:buNone/>
             </a:pPr>
             <a:r>
               <a:rPr lang="en"/>
-              <a:t>Know what you will say in slide or section and what to errors expect in the labs</a:t>
+              <a:t>Peek the next presentation, check who's having trouble, lookup answers, take some water...</a:t>
             </a:r>
           </a:p>
         </p:txBody>
       </p:sp>
       <p:sp>
         <p:nvSpPr>
-          <p:cNvPr id="71" name="Shape 71"/>
+          <p:cNvPr id="65" name="Shape 65"/>
           <p:cNvSpPr txBox="1">
             <a:spLocks noGrp="1"/>
           </p:cNvSpPr>
@@ -7865,12 +7925,12 @@
           </a:bodyPr>
           <a:lstStyle/>
           <a:p>
-            <a:pPr>
+            <a:pPr lvl="0" rtl="0">
               <a:buNone/>
             </a:pPr>
             <a:r>
               <a:rPr lang="en"/>
-              <a:t>Prepare again and again...</a:t>
+              <a:t>Use the lab time</a:t>
             </a:r>
           </a:p>
         </p:txBody>

--- a/Instructor Tips.pptx
+++ b/Instructor Tips.pptx
@@ -5,7 +5,7 @@
     <p:sldMasterId id="2147483654" r:id="rId1"/>
   </p:sldMasterIdLst>
   <p:notesMasterIdLst>
-    <p:notesMasterId r:id="rId27"/>
+    <p:notesMasterId r:id="rId29"/>
   </p:notesMasterIdLst>
   <p:sldIdLst>
     <p:sldId id="256" r:id="rId2"/>
@@ -33,6 +33,8 @@
     <p:sldId id="278" r:id="rId24"/>
     <p:sldId id="279" r:id="rId25"/>
     <p:sldId id="280" r:id="rId26"/>
+    <p:sldId id="281" r:id="rId27"/>
+    <p:sldId id="282" r:id="rId28"/>
   </p:sldIdLst>
   <p:sldSz cx="9144000" cy="6858000" type="screen4x3"/>
   <p:notesSz cx="6858000" cy="9144000"/>
@@ -7251,6 +7253,201 @@
 </p:sld>
 </file>
 
+<file path=ppt/slides/slide26.xml><?xml version="1.0" encoding="utf-8"?>
+<p:sld xmlns:a="http://schemas.openxmlformats.org/drawingml/2006/main" xmlns:r="http://schemas.openxmlformats.org/officeDocument/2006/relationships" xmlns:p="http://schemas.openxmlformats.org/presentationml/2006/main">
+  <p:cSld>
+    <p:spTree>
+      <p:nvGrpSpPr>
+        <p:cNvPr id="1" name=""/>
+        <p:cNvGrpSpPr/>
+        <p:nvPr/>
+      </p:nvGrpSpPr>
+      <p:grpSpPr>
+        <a:xfrm>
+          <a:off x="0" y="0"/>
+          <a:ext cx="0" cy="0"/>
+          <a:chOff x="0" y="0"/>
+          <a:chExt cx="0" cy="0"/>
+        </a:xfrm>
+      </p:grpSpPr>
+      <p:sp>
+        <p:nvSpPr>
+          <p:cNvPr id="2" name="Title 1"/>
+          <p:cNvSpPr>
+            <a:spLocks noGrp="1"/>
+          </p:cNvSpPr>
+          <p:nvPr>
+            <p:ph type="title"/>
+          </p:nvPr>
+        </p:nvSpPr>
+        <p:spPr/>
+        <p:txBody>
+          <a:bodyPr/>
+          <a:lstStyle/>
+          <a:p>
+            <a:r>
+              <a:rPr lang="en-US" dirty="0" smtClean="0"/>
+              <a:t>Articles</a:t>
+            </a:r>
+            <a:endParaRPr lang="en-US" dirty="0"/>
+          </a:p>
+        </p:txBody>
+      </p:sp>
+      <p:sp>
+        <p:nvSpPr>
+          <p:cNvPr id="3" name="Text Placeholder 2"/>
+          <p:cNvSpPr>
+            <a:spLocks noGrp="1"/>
+          </p:cNvSpPr>
+          <p:nvPr>
+            <p:ph type="body" idx="1"/>
+          </p:nvPr>
+        </p:nvSpPr>
+        <p:spPr/>
+        <p:txBody>
+          <a:bodyPr/>
+          <a:lstStyle/>
+          <a:p>
+            <a:r>
+              <a:rPr lang="en-US" dirty="0"/>
+              <a:t>"</a:t>
+            </a:r>
+            <a:r>
+              <a:rPr lang="en-US" dirty="0">
+                <a:hlinkClick r:id="rId2"/>
+              </a:rPr>
+              <a:t>Why People Check Email When You're </a:t>
+            </a:r>
+            <a:r>
+              <a:rPr lang="en-US" dirty="0" smtClean="0">
+                <a:hlinkClick r:id="rId2"/>
+              </a:rPr>
+              <a:t>Presenting</a:t>
+            </a:r>
+            <a:r>
+              <a:rPr lang="en-US" dirty="0" smtClean="0"/>
+              <a:t>”</a:t>
+            </a:r>
+          </a:p>
+          <a:p>
+            <a:pPr marL="0" indent="0">
+              <a:buNone/>
+            </a:pPr>
+            <a:r>
+              <a:rPr lang="en-US" dirty="0" smtClean="0"/>
+              <a:t> </a:t>
+            </a:r>
+            <a:endParaRPr lang="en-US" dirty="0"/>
+          </a:p>
+        </p:txBody>
+      </p:sp>
+    </p:spTree>
+    <p:extLst>
+      <p:ext uri="{BB962C8B-B14F-4D97-AF65-F5344CB8AC3E}">
+        <p14:creationId xmlns:p14="http://schemas.microsoft.com/office/powerpoint/2010/main" val="4087068603"/>
+      </p:ext>
+    </p:extLst>
+  </p:cSld>
+  <p:clrMapOvr>
+    <a:masterClrMapping/>
+  </p:clrMapOvr>
+</p:sld>
+</file>
+
+<file path=ppt/slides/slide27.xml><?xml version="1.0" encoding="utf-8"?>
+<p:sld xmlns:a="http://schemas.openxmlformats.org/drawingml/2006/main" xmlns:r="http://schemas.openxmlformats.org/officeDocument/2006/relationships" xmlns:p="http://schemas.openxmlformats.org/presentationml/2006/main">
+  <p:cSld>
+    <p:spTree>
+      <p:nvGrpSpPr>
+        <p:cNvPr id="1" name=""/>
+        <p:cNvGrpSpPr/>
+        <p:nvPr/>
+      </p:nvGrpSpPr>
+      <p:grpSpPr>
+        <a:xfrm>
+          <a:off x="0" y="0"/>
+          <a:ext cx="0" cy="0"/>
+          <a:chOff x="0" y="0"/>
+          <a:chExt cx="0" cy="0"/>
+        </a:xfrm>
+      </p:grpSpPr>
+      <p:sp>
+        <p:nvSpPr>
+          <p:cNvPr id="2" name="Title 1"/>
+          <p:cNvSpPr>
+            <a:spLocks noGrp="1"/>
+          </p:cNvSpPr>
+          <p:nvPr>
+            <p:ph type="title"/>
+          </p:nvPr>
+        </p:nvSpPr>
+        <p:spPr/>
+        <p:txBody>
+          <a:bodyPr/>
+          <a:lstStyle/>
+          <a:p>
+            <a:r>
+              <a:rPr lang="en-US" dirty="0" smtClean="0"/>
+              <a:t>Books [TODO: Links] </a:t>
+            </a:r>
+            <a:endParaRPr lang="en-US" dirty="0"/>
+          </a:p>
+        </p:txBody>
+      </p:sp>
+      <p:sp>
+        <p:nvSpPr>
+          <p:cNvPr id="3" name="Text Placeholder 2"/>
+          <p:cNvSpPr>
+            <a:spLocks noGrp="1"/>
+          </p:cNvSpPr>
+          <p:nvPr>
+            <p:ph type="body" idx="1"/>
+          </p:nvPr>
+        </p:nvSpPr>
+        <p:spPr/>
+        <p:txBody>
+          <a:bodyPr/>
+          <a:lstStyle/>
+          <a:p>
+            <a:r>
+              <a:rPr lang="en-US" dirty="0" smtClean="0"/>
+              <a:t>Presentation ZEN</a:t>
+            </a:r>
+          </a:p>
+          <a:p>
+            <a:r>
+              <a:rPr lang="en-US" dirty="0" smtClean="0"/>
+              <a:t>Presentation design patters</a:t>
+            </a:r>
+          </a:p>
+          <a:p>
+            <a:r>
+              <a:rPr lang="en-US" smtClean="0"/>
+              <a:t>…</a:t>
+            </a:r>
+            <a:endParaRPr lang="en-US" dirty="0" smtClean="0"/>
+          </a:p>
+          <a:p>
+            <a:endParaRPr lang="en-US" dirty="0"/>
+          </a:p>
+          <a:p>
+            <a:endParaRPr lang="en-US" dirty="0"/>
+          </a:p>
+        </p:txBody>
+      </p:sp>
+    </p:spTree>
+    <p:extLst>
+      <p:ext uri="{BB962C8B-B14F-4D97-AF65-F5344CB8AC3E}">
+        <p14:creationId xmlns:p14="http://schemas.microsoft.com/office/powerpoint/2010/main" val="4237080158"/>
+      </p:ext>
+    </p:extLst>
+  </p:cSld>
+  <p:clrMapOvr>
+    <a:masterClrMapping/>
+  </p:clrMapOvr>
+</p:sld>
+</file>
+
 <file path=ppt/slides/slide3.xml><?xml version="1.0" encoding="utf-8"?>
 <p:sld xmlns:a="http://schemas.openxmlformats.org/drawingml/2006/main" xmlns:r="http://schemas.openxmlformats.org/officeDocument/2006/relationships" xmlns:p="http://schemas.openxmlformats.org/presentationml/2006/main">
   <p:cSld>
@@ -7497,11 +7694,7 @@
             </a:r>
             <a:r>
               <a:rPr lang="en" dirty="0" smtClean="0"/>
-              <a:t>content with good</a:t>
-            </a:r>
-            <a:r>
-              <a:rPr lang="en" dirty="0" smtClean="0"/>
-              <a:t> sequence and connection</a:t>
+              <a:t>content with good sequence and connection</a:t>
             </a:r>
             <a:endParaRPr lang="en" dirty="0"/>
           </a:p>

--- a/Instructor Tips.pptx
+++ b/Instructor Tips.pptx
@@ -5,7 +5,7 @@
     <p:sldMasterId id="2147483654" r:id="rId1"/>
   </p:sldMasterIdLst>
   <p:notesMasterIdLst>
-    <p:notesMasterId r:id="rId29"/>
+    <p:notesMasterId r:id="rId30"/>
   </p:notesMasterIdLst>
   <p:sldIdLst>
     <p:sldId id="256" r:id="rId2"/>
@@ -33,8 +33,9 @@
     <p:sldId id="278" r:id="rId24"/>
     <p:sldId id="279" r:id="rId25"/>
     <p:sldId id="280" r:id="rId26"/>
-    <p:sldId id="281" r:id="rId27"/>
-    <p:sldId id="282" r:id="rId28"/>
+    <p:sldId id="283" r:id="rId27"/>
+    <p:sldId id="281" r:id="rId28"/>
+    <p:sldId id="282" r:id="rId29"/>
   </p:sldIdLst>
   <p:sldSz cx="9144000" cy="6858000" type="screen4x3"/>
   <p:notesSz cx="6858000" cy="9144000"/>
@@ -7287,7 +7288,7 @@
           <a:p>
             <a:r>
               <a:rPr lang="en-US" dirty="0" smtClean="0"/>
-              <a:t>Articles</a:t>
+              <a:t>Videos</a:t>
             </a:r>
             <a:endParaRPr lang="en-US" dirty="0"/>
           </a:p>
@@ -7308,35 +7309,39 @@
           <a:bodyPr/>
           <a:lstStyle/>
           <a:p>
-            <a:r>
-              <a:rPr lang="en-US" dirty="0"/>
-              <a:t>"</a:t>
-            </a:r>
-            <a:r>
-              <a:rPr lang="en-US" dirty="0">
-                <a:hlinkClick r:id="rId2"/>
-              </a:rPr>
-              <a:t>Why People Check Email When You're </a:t>
-            </a:r>
+            <a:pPr marL="0" indent="0">
+              <a:buNone/>
+            </a:pPr>
             <a:r>
               <a:rPr lang="en-US" dirty="0" smtClean="0">
                 <a:hlinkClick r:id="rId2"/>
               </a:rPr>
-              <a:t>Presenting</a:t>
+              <a:t>TED: How Great Leaders Inspire Action</a:t>
             </a:r>
-            <a:r>
-              <a:rPr lang="en-US" dirty="0" smtClean="0"/>
-              <a:t>”</a:t>
-            </a:r>
+            <a:endParaRPr lang="en-US" dirty="0" smtClean="0"/>
+          </a:p>
+          <a:p>
+            <a:pPr marL="0" indent="0">
+              <a:buNone/>
+            </a:pPr>
+            <a:endParaRPr lang="en-US" dirty="0"/>
           </a:p>
           <a:p>
             <a:pPr marL="0" indent="0">
               <a:buNone/>
             </a:pPr>
             <a:r>
-              <a:rPr lang="en-US" dirty="0" smtClean="0"/>
-              <a:t> </a:t>
+              <a:rPr lang="en-US" dirty="0" smtClean="0">
+                <a:hlinkClick r:id="rId3"/>
+              </a:rPr>
+              <a:t>TED: The Paradox of Choice</a:t>
             </a:r>
+            <a:endParaRPr lang="en-US" dirty="0" smtClean="0"/>
+          </a:p>
+          <a:p>
+            <a:pPr marL="0" indent="0">
+              <a:buNone/>
+            </a:pPr>
             <a:endParaRPr lang="en-US" dirty="0"/>
           </a:p>
         </p:txBody>
@@ -7344,7 +7349,7 @@
     </p:spTree>
     <p:extLst>
       <p:ext uri="{BB962C8B-B14F-4D97-AF65-F5344CB8AC3E}">
-        <p14:creationId xmlns:p14="http://schemas.microsoft.com/office/powerpoint/2010/main" val="4087068603"/>
+        <p14:creationId xmlns:p14="http://schemas.microsoft.com/office/powerpoint/2010/main" val="1859323889"/>
       </p:ext>
     </p:extLst>
   </p:cSld>
@@ -7388,7 +7393,7 @@
           <a:p>
             <a:r>
               <a:rPr lang="en-US" dirty="0" smtClean="0"/>
-              <a:t>Books [TODO: Links] </a:t>
+              <a:t>Articles</a:t>
             </a:r>
             <a:endParaRPr lang="en-US" dirty="0"/>
           </a:p>
@@ -7409,25 +7414,163 @@
           <a:bodyPr/>
           <a:lstStyle/>
           <a:p>
+            <a:pPr marL="0" indent="0">
+              <a:buNone/>
+            </a:pPr>
+            <a:r>
+              <a:rPr lang="en-US" dirty="0">
+                <a:hlinkClick r:id="rId2"/>
+              </a:rPr>
+              <a:t>W</a:t>
+            </a:r>
+            <a:r>
+              <a:rPr lang="en-US" dirty="0" smtClean="0">
+                <a:hlinkClick r:id="rId2"/>
+              </a:rPr>
+              <a:t>hy </a:t>
+            </a:r>
+            <a:r>
+              <a:rPr lang="en-US" dirty="0">
+                <a:hlinkClick r:id="rId2"/>
+              </a:rPr>
+              <a:t>People Check Email When You're </a:t>
+            </a:r>
+            <a:r>
+              <a:rPr lang="en-US" dirty="0" smtClean="0">
+                <a:hlinkClick r:id="rId2"/>
+              </a:rPr>
+              <a:t>Presenting</a:t>
+            </a:r>
             <a:r>
               <a:rPr lang="en-US" dirty="0" smtClean="0"/>
+              <a:t>”</a:t>
+            </a:r>
+          </a:p>
+          <a:p>
+            <a:pPr marL="0" indent="0">
+              <a:buNone/>
+            </a:pPr>
+            <a:r>
+              <a:rPr lang="en-US" dirty="0" smtClean="0"/>
+              <a:t> </a:t>
+            </a:r>
+            <a:endParaRPr lang="en-US" dirty="0"/>
+          </a:p>
+        </p:txBody>
+      </p:sp>
+    </p:spTree>
+    <p:extLst>
+      <p:ext uri="{BB962C8B-B14F-4D97-AF65-F5344CB8AC3E}">
+        <p14:creationId xmlns:p14="http://schemas.microsoft.com/office/powerpoint/2010/main" val="4087068603"/>
+      </p:ext>
+    </p:extLst>
+  </p:cSld>
+  <p:clrMapOvr>
+    <a:masterClrMapping/>
+  </p:clrMapOvr>
+</p:sld>
+</file>
+
+<file path=ppt/slides/slide28.xml><?xml version="1.0" encoding="utf-8"?>
+<p:sld xmlns:a="http://schemas.openxmlformats.org/drawingml/2006/main" xmlns:r="http://schemas.openxmlformats.org/officeDocument/2006/relationships" xmlns:p="http://schemas.openxmlformats.org/presentationml/2006/main">
+  <p:cSld>
+    <p:spTree>
+      <p:nvGrpSpPr>
+        <p:cNvPr id="1" name=""/>
+        <p:cNvGrpSpPr/>
+        <p:nvPr/>
+      </p:nvGrpSpPr>
+      <p:grpSpPr>
+        <a:xfrm>
+          <a:off x="0" y="0"/>
+          <a:ext cx="0" cy="0"/>
+          <a:chOff x="0" y="0"/>
+          <a:chExt cx="0" cy="0"/>
+        </a:xfrm>
+      </p:grpSpPr>
+      <p:sp>
+        <p:nvSpPr>
+          <p:cNvPr id="2" name="Title 1"/>
+          <p:cNvSpPr>
+            <a:spLocks noGrp="1"/>
+          </p:cNvSpPr>
+          <p:nvPr>
+            <p:ph type="title"/>
+          </p:nvPr>
+        </p:nvSpPr>
+        <p:spPr/>
+        <p:txBody>
+          <a:bodyPr/>
+          <a:lstStyle/>
+          <a:p>
+            <a:r>
+              <a:rPr lang="en-US" smtClean="0"/>
+              <a:t>Books</a:t>
+            </a:r>
+            <a:endParaRPr lang="en-US" dirty="0"/>
+          </a:p>
+        </p:txBody>
+      </p:sp>
+      <p:sp>
+        <p:nvSpPr>
+          <p:cNvPr id="3" name="Text Placeholder 2"/>
+          <p:cNvSpPr>
+            <a:spLocks noGrp="1"/>
+          </p:cNvSpPr>
+          <p:nvPr>
+            <p:ph type="body" idx="1"/>
+          </p:nvPr>
+        </p:nvSpPr>
+        <p:spPr/>
+        <p:txBody>
+          <a:bodyPr/>
+          <a:lstStyle/>
+          <a:p>
+            <a:pPr marL="0" indent="0">
+              <a:buNone/>
+            </a:pPr>
+            <a:r>
+              <a:rPr lang="en-US" dirty="0" smtClean="0">
+                <a:hlinkClick r:id="rId2"/>
+              </a:rPr>
               <a:t>Presentation ZEN</a:t>
             </a:r>
-          </a:p>
-          <a:p>
+            <a:endParaRPr lang="en-US" dirty="0" smtClean="0"/>
+          </a:p>
+          <a:p>
+            <a:pPr marL="0" indent="0">
+              <a:buNone/>
+            </a:pPr>
+            <a:endParaRPr lang="en-US" dirty="0" smtClean="0"/>
+          </a:p>
+          <a:p>
+            <a:pPr marL="0" indent="0">
+              <a:buNone/>
+            </a:pPr>
             <a:r>
-              <a:rPr lang="en-US" dirty="0" smtClean="0"/>
-              <a:t>Presentation design patters</a:t>
-            </a:r>
-          </a:p>
-          <a:p>
-            <a:r>
-              <a:rPr lang="en-US" smtClean="0"/>
-              <a:t>…</a:t>
+              <a:rPr lang="en-US" dirty="0" smtClean="0">
+                <a:hlinkClick r:id="rId3"/>
+              </a:rPr>
+              <a:t>Presentation Patterns</a:t>
             </a:r>
             <a:endParaRPr lang="en-US" dirty="0" smtClean="0"/>
           </a:p>
           <a:p>
+            <a:pPr marL="0" indent="0">
+              <a:buNone/>
+            </a:pPr>
+            <a:endParaRPr lang="en-US" dirty="0"/>
+          </a:p>
+          <a:p>
+            <a:pPr marL="0" indent="0">
+              <a:buNone/>
+            </a:pPr>
+            <a:r>
+              <a:rPr lang="en-US" dirty="0" err="1" smtClean="0">
+                <a:hlinkClick r:id="rId4"/>
+              </a:rPr>
+              <a:t>Slide:ology</a:t>
+            </a:r>
             <a:endParaRPr lang="en-US" dirty="0"/>
           </a:p>
           <a:p>
